--- a/Project 1/GA Presentation SAT-ACT Analysis .pptx
+++ b/Project 1/GA Presentation SAT-ACT Analysis .pptx
@@ -13226,6 +13226,144 @@
           </a:xfrm>
         </p:spPr>
       </p:pic>
+      <p:sp>
+        <p:nvSpPr>
+          <p:cNvPr id="4" name="Left Arrow 3">
+            <a:extLst>
+              <a:ext uri="{FF2B5EF4-FFF2-40B4-BE49-F238E27FC236}">
+                <a16:creationId xmlns:a16="http://schemas.microsoft.com/office/drawing/2014/main" id="{7FFA1375-EE57-AC4D-AFD8-31FF7B4EC34E}"/>
+              </a:ext>
+            </a:extLst>
+          </p:cNvPr>
+          <p:cNvSpPr/>
+          <p:nvPr/>
+        </p:nvSpPr>
+        <p:spPr>
+          <a:xfrm>
+            <a:off x="10760215" y="4857750"/>
+            <a:ext cx="530319" cy="142875"/>
+          </a:xfrm>
+          <a:prstGeom prst="leftArrow">
+            <a:avLst/>
+          </a:prstGeom>
+        </p:spPr>
+        <p:style>
+          <a:lnRef idx="2">
+            <a:schemeClr val="accent1">
+              <a:shade val="50000"/>
+            </a:schemeClr>
+          </a:lnRef>
+          <a:fillRef idx="1">
+            <a:schemeClr val="accent1"/>
+          </a:fillRef>
+          <a:effectRef idx="0">
+            <a:schemeClr val="accent1"/>
+          </a:effectRef>
+          <a:fontRef idx="minor">
+            <a:schemeClr val="lt1"/>
+          </a:fontRef>
+        </p:style>
+        <p:txBody>
+          <a:bodyPr rtlCol="0" anchor="ctr"/>
+          <a:lstStyle/>
+          <a:p>
+            <a:pPr algn="ctr"/>
+            <a:endParaRPr lang="en-US"/>
+          </a:p>
+        </p:txBody>
+      </p:sp>
+      <p:sp>
+        <p:nvSpPr>
+          <p:cNvPr id="6" name="Left Arrow 5">
+            <a:extLst>
+              <a:ext uri="{FF2B5EF4-FFF2-40B4-BE49-F238E27FC236}">
+                <a16:creationId xmlns:a16="http://schemas.microsoft.com/office/drawing/2014/main" id="{9CCEA869-F66F-B34E-B6D0-6E9FFDC2E82F}"/>
+              </a:ext>
+            </a:extLst>
+          </p:cNvPr>
+          <p:cNvSpPr/>
+          <p:nvPr/>
+        </p:nvSpPr>
+        <p:spPr>
+          <a:xfrm>
+            <a:off x="10760215" y="5653087"/>
+            <a:ext cx="530319" cy="142875"/>
+          </a:xfrm>
+          <a:prstGeom prst="leftArrow">
+            <a:avLst/>
+          </a:prstGeom>
+        </p:spPr>
+        <p:style>
+          <a:lnRef idx="2">
+            <a:schemeClr val="accent1">
+              <a:shade val="50000"/>
+            </a:schemeClr>
+          </a:lnRef>
+          <a:fillRef idx="1">
+            <a:schemeClr val="accent1"/>
+          </a:fillRef>
+          <a:effectRef idx="0">
+            <a:schemeClr val="accent1"/>
+          </a:effectRef>
+          <a:fontRef idx="minor">
+            <a:schemeClr val="lt1"/>
+          </a:fontRef>
+        </p:style>
+        <p:txBody>
+          <a:bodyPr rtlCol="0" anchor="ctr"/>
+          <a:lstStyle/>
+          <a:p>
+            <a:pPr algn="ctr"/>
+            <a:endParaRPr lang="en-US"/>
+          </a:p>
+        </p:txBody>
+      </p:sp>
+      <p:sp>
+        <p:nvSpPr>
+          <p:cNvPr id="7" name="Left Arrow 6">
+            <a:extLst>
+              <a:ext uri="{FF2B5EF4-FFF2-40B4-BE49-F238E27FC236}">
+                <a16:creationId xmlns:a16="http://schemas.microsoft.com/office/drawing/2014/main" id="{F6163334-89BB-1541-B16B-B2F6B27F5546}"/>
+              </a:ext>
+            </a:extLst>
+          </p:cNvPr>
+          <p:cNvSpPr/>
+          <p:nvPr/>
+        </p:nvSpPr>
+        <p:spPr>
+          <a:xfrm>
+            <a:off x="10760214" y="6162675"/>
+            <a:ext cx="530319" cy="142875"/>
+          </a:xfrm>
+          <a:prstGeom prst="leftArrow">
+            <a:avLst/>
+          </a:prstGeom>
+        </p:spPr>
+        <p:style>
+          <a:lnRef idx="2">
+            <a:schemeClr val="accent1">
+              <a:shade val="50000"/>
+            </a:schemeClr>
+          </a:lnRef>
+          <a:fillRef idx="1">
+            <a:schemeClr val="accent1"/>
+          </a:fillRef>
+          <a:effectRef idx="0">
+            <a:schemeClr val="accent1"/>
+          </a:effectRef>
+          <a:fontRef idx="minor">
+            <a:schemeClr val="lt1"/>
+          </a:fontRef>
+        </p:style>
+        <p:txBody>
+          <a:bodyPr rtlCol="0" anchor="ctr"/>
+          <a:lstStyle/>
+          <a:p>
+            <a:pPr algn="ctr"/>
+            <a:endParaRPr lang="en-US"/>
+          </a:p>
+        </p:txBody>
+      </p:sp>
     </p:spTree>
     <p:extLst>
       <p:ext uri="{BB962C8B-B14F-4D97-AF65-F5344CB8AC3E}">
@@ -13317,6 +13455,98 @@
               <a:rPr lang="en-US" sz="3200" dirty="0"/>
               <a:t>Bar chart for SAT Participation 2017 vs 2018</a:t>
             </a:r>
+          </a:p>
+        </p:txBody>
+      </p:sp>
+      <p:sp>
+        <p:nvSpPr>
+          <p:cNvPr id="2" name="Left Arrow 1">
+            <a:extLst>
+              <a:ext uri="{FF2B5EF4-FFF2-40B4-BE49-F238E27FC236}">
+                <a16:creationId xmlns:a16="http://schemas.microsoft.com/office/drawing/2014/main" id="{B92197E0-3017-8543-9E70-F1B1F06AA751}"/>
+              </a:ext>
+            </a:extLst>
+          </p:cNvPr>
+          <p:cNvSpPr/>
+          <p:nvPr/>
+        </p:nvSpPr>
+        <p:spPr>
+          <a:xfrm>
+            <a:off x="10471056" y="4800600"/>
+            <a:ext cx="530319" cy="142875"/>
+          </a:xfrm>
+          <a:prstGeom prst="leftArrow">
+            <a:avLst/>
+          </a:prstGeom>
+        </p:spPr>
+        <p:style>
+          <a:lnRef idx="2">
+            <a:schemeClr val="accent1">
+              <a:shade val="50000"/>
+            </a:schemeClr>
+          </a:lnRef>
+          <a:fillRef idx="1">
+            <a:schemeClr val="accent1"/>
+          </a:fillRef>
+          <a:effectRef idx="0">
+            <a:schemeClr val="accent1"/>
+          </a:effectRef>
+          <a:fontRef idx="minor">
+            <a:schemeClr val="lt1"/>
+          </a:fontRef>
+        </p:style>
+        <p:txBody>
+          <a:bodyPr rtlCol="0" anchor="ctr"/>
+          <a:lstStyle/>
+          <a:p>
+            <a:pPr algn="ctr"/>
+            <a:endParaRPr lang="en-US"/>
+          </a:p>
+        </p:txBody>
+      </p:sp>
+      <p:sp>
+        <p:nvSpPr>
+          <p:cNvPr id="6" name="Left Arrow 5">
+            <a:extLst>
+              <a:ext uri="{FF2B5EF4-FFF2-40B4-BE49-F238E27FC236}">
+                <a16:creationId xmlns:a16="http://schemas.microsoft.com/office/drawing/2014/main" id="{CCB000D0-E56F-414B-8B83-DD7095717022}"/>
+              </a:ext>
+            </a:extLst>
+          </p:cNvPr>
+          <p:cNvSpPr/>
+          <p:nvPr/>
+        </p:nvSpPr>
+        <p:spPr>
+          <a:xfrm>
+            <a:off x="10471055" y="5480206"/>
+            <a:ext cx="530319" cy="142875"/>
+          </a:xfrm>
+          <a:prstGeom prst="leftArrow">
+            <a:avLst/>
+          </a:prstGeom>
+        </p:spPr>
+        <p:style>
+          <a:lnRef idx="2">
+            <a:schemeClr val="accent1">
+              <a:shade val="50000"/>
+            </a:schemeClr>
+          </a:lnRef>
+          <a:fillRef idx="1">
+            <a:schemeClr val="accent1"/>
+          </a:fillRef>
+          <a:effectRef idx="0">
+            <a:schemeClr val="accent1"/>
+          </a:effectRef>
+          <a:fontRef idx="minor">
+            <a:schemeClr val="lt1"/>
+          </a:fontRef>
+        </p:style>
+        <p:txBody>
+          <a:bodyPr rtlCol="0" anchor="ctr"/>
+          <a:lstStyle/>
+          <a:p>
+            <a:pPr algn="ctr"/>
+            <a:endParaRPr lang="en-US"/>
           </a:p>
         </p:txBody>
       </p:sp>
